--- a/NEW_DBMS교안/12. 기본 SQL 작성하기_DML 활용.pptx
+++ b/NEW_DBMS교안/12. 기본 SQL 작성하기_DML 활용.pptx
@@ -7822,7 +7822,7 @@
           <a:p>
             <a:fld id="{E150CED1-0BD3-437E-982C-E8005E10CB37}" type="datetimeFigureOut">
               <a:rPr lang="ko-KR" altLang="en-US" smtClean="0"/>
-              <a:t>2021-04-02</a:t>
+              <a:t>2021-04-09</a:t>
             </a:fld>
             <a:endParaRPr lang="ko-KR" altLang="en-US"/>
           </a:p>
@@ -11067,7 +11067,7 @@
         </p:nvGraphicFramePr>
         <p:xfrm>
           <a:off x="581922" y="1052736"/>
-          <a:ext cx="8022526" cy="912411"/>
+          <a:ext cx="8022526" cy="914400"/>
         </p:xfrm>
         <a:graphic>
           <a:graphicData uri="http://schemas.openxmlformats.org/drawingml/2006/table">
@@ -11621,7 +11621,7 @@
         </p:nvGraphicFramePr>
         <p:xfrm>
           <a:off x="5764068" y="3932412"/>
-          <a:ext cx="2696364" cy="595758"/>
+          <a:ext cx="2696364" cy="656844"/>
         </p:xfrm>
         <a:graphic>
           <a:graphicData uri="http://schemas.openxmlformats.org/drawingml/2006/table">
@@ -13575,7 +13575,7 @@
         <p:spPr>
           <a:xfrm>
             <a:off x="581922" y="4627002"/>
-            <a:ext cx="8005538" cy="1152688"/>
+            <a:ext cx="8005538" cy="1569660"/>
           </a:xfrm>
           <a:prstGeom prst="rect">
             <a:avLst/>
@@ -13597,11 +13597,7 @@
             </a:pPr>
             <a:r>
               <a:rPr lang="en-US" altLang="ko-KR" sz="1600" dirty="0" smtClean="0"/>
-              <a:t>where</a:t>
-            </a:r>
-            <a:r>
-              <a:rPr lang="en-US" altLang="ko-KR" sz="1600" dirty="0" smtClean="0"/>
-              <a:t> </a:t>
+              <a:t>where </a:t>
             </a:r>
             <a:r>
               <a:rPr lang="ko-KR" altLang="en-US" sz="1600" dirty="0"/>
@@ -13678,7 +13674,63 @@
                   <a:srgbClr val="FF0000"/>
                 </a:solidFill>
               </a:rPr>
-              <a:t>  </a:t>
+              <a:t> </a:t>
+            </a:r>
+            <a:endParaRPr lang="en-US" altLang="ko-KR" sz="1600" b="1" dirty="0" smtClean="0">
+              <a:solidFill>
+                <a:srgbClr val="FF0000"/>
+              </a:solidFill>
+            </a:endParaRPr>
+          </a:p>
+          <a:p>
+            <a:pPr lvl="1">
+              <a:lnSpc>
+                <a:spcPct val="150000"/>
+              </a:lnSpc>
+            </a:pPr>
+            <a:r>
+              <a:rPr lang="en-US" altLang="ko-KR" sz="1600" b="1" dirty="0">
+                <a:solidFill>
+                  <a:srgbClr val="FF0000"/>
+                </a:solidFill>
+                <a:sym typeface="Wingdings" panose="05000000000000000000" pitchFamily="2" charset="2"/>
+              </a:rPr>
+              <a:t> </a:t>
+            </a:r>
+            <a:r>
+              <a:rPr lang="en-US" altLang="ko-KR" sz="1600" b="1" dirty="0" smtClean="0">
+                <a:solidFill>
+                  <a:srgbClr val="FF0000"/>
+                </a:solidFill>
+                <a:sym typeface="Wingdings" panose="05000000000000000000" pitchFamily="2" charset="2"/>
+              </a:rPr>
+              <a:t>   </a:t>
+            </a:r>
+            <a:r>
+              <a:rPr lang="en-US" altLang="ko-KR" sz="1600" dirty="0" smtClean="0">
+                <a:solidFill>
+                  <a:srgbClr val="FF0000"/>
+                </a:solidFill>
+                <a:sym typeface="Wingdings" panose="05000000000000000000" pitchFamily="2" charset="2"/>
+              </a:rPr>
+              <a:t> where</a:t>
+            </a:r>
+            <a:r>
+              <a:rPr lang="ko-KR" altLang="en-US" sz="1600" dirty="0" smtClean="0">
+                <a:solidFill>
+                  <a:srgbClr val="FF0000"/>
+                </a:solidFill>
+                <a:sym typeface="Wingdings" panose="05000000000000000000" pitchFamily="2" charset="2"/>
+              </a:rPr>
+              <a:t>절 안쓰면</a:t>
+            </a:r>
+            <a:r>
+              <a:rPr lang="en-US" altLang="ko-KR" sz="1600" dirty="0" smtClean="0">
+                <a:solidFill>
+                  <a:srgbClr val="FF0000"/>
+                </a:solidFill>
+              </a:rPr>
+              <a:t> </a:t>
             </a:r>
             <a:r>
               <a:rPr lang="en-US" altLang="ko-KR" sz="1600" dirty="0">
@@ -13686,7 +13738,7 @@
                   <a:srgbClr val="FF0000"/>
                 </a:solidFill>
               </a:rPr>
-              <a:t>-- nation</a:t>
+              <a:t>nation</a:t>
             </a:r>
             <a:r>
               <a:rPr lang="ko-KR" altLang="en-US" sz="1600" dirty="0">
